--- a/05-faster_feedback_with_unit_testing.pptx
+++ b/05-faster_feedback_with_unit_testing.pptx
@@ -1285,7 +1285,7 @@
             </a:r>
             <a:r>
               <a:rPr lang="en-US" baseline="0" dirty="0"/>
-              <a:t> example groups to describe the cookbook's recipe. This is stating that the examples we defined within this outer example group all relate to the apache cookbook's default recipe. Within this example group we see another context that is defined. This time using the method 'context'. 'context' and 'describe' are exactly same in almost every way. A lot of developers like to use context as it more clearly states that the example group is focused on a particular scenario. In this instance the particular scenario we are going to be specifying examples in a scenario where all the attributes are default on an CentOS 6.9.</a:t>
+              <a:t> example groups to describe the cookbook's recipe. This is stating that the examples we defined within this outer example group all relate to the apache cookbook's default recipe. Within this example group we see another context that is defined. This time using the method 'context'. 'context' and 'describe' are exactly same in almost every way. A lot of developers like to use context as it more clearly states that the example group is focused on a particular scenario. In this instance the particular scenario we are going to be specifying examples in a scenario where all the attributes are default on CentOS 6.9.</a:t>
             </a:r>
           </a:p>
           <a:p>
@@ -4412,15 +4412,7 @@
             </a:r>
             <a:r>
               <a:rPr lang="en-US" baseline="0" dirty="0"/>
-              <a:t> when executing </a:t>
-            </a:r>
-            <a:r>
-              <a:rPr lang="en-US" baseline="0" dirty="0" err="1"/>
-              <a:t>te</a:t>
-            </a:r>
-            <a:r>
-              <a:rPr lang="en-US" baseline="0" dirty="0"/>
-              <a:t> '</a:t>
+              <a:t> when executing the '</a:t>
             </a:r>
             <a:r>
               <a:rPr lang="en-US" baseline="0" dirty="0" err="1"/>
@@ -7237,14 +7229,14 @@
           </a:ln>
           <a:extLst>
             <a:ext uri="{909E8E84-426E-40dd-AFC4-6F175D3DCCD1}">
-              <a14:hiddenFill xmlns:a14="http://schemas.microsoft.com/office/drawing/2010/main" xmlns="">
+              <a14:hiddenFill xmlns="" xmlns:a14="http://schemas.microsoft.com/office/drawing/2010/main">
                 <a:solidFill>
                   <a:srgbClr val="FFFFFF"/>
                 </a:solidFill>
               </a14:hiddenFill>
             </a:ext>
             <a:ext uri="{91240B29-F687-4f45-9708-019B960494DF}">
-              <a14:hiddenLine xmlns:a14="http://schemas.microsoft.com/office/drawing/2010/main" xmlns="" w="9525">
+              <a14:hiddenLine xmlns="" xmlns:a14="http://schemas.microsoft.com/office/drawing/2010/main" w="9525">
                 <a:solidFill>
                   <a:srgbClr val="000000"/>
                 </a:solidFill>
@@ -7392,14 +7384,14 @@
           </a:ln>
           <a:extLst>
             <a:ext uri="{909E8E84-426E-40dd-AFC4-6F175D3DCCD1}">
-              <a14:hiddenFill xmlns:a14="http://schemas.microsoft.com/office/drawing/2010/main" xmlns="">
+              <a14:hiddenFill xmlns="" xmlns:a14="http://schemas.microsoft.com/office/drawing/2010/main">
                 <a:solidFill>
                   <a:srgbClr val="FFFFFF"/>
                 </a:solidFill>
               </a14:hiddenFill>
             </a:ext>
             <a:ext uri="{91240B29-F687-4f45-9708-019B960494DF}">
-              <a14:hiddenLine xmlns:a14="http://schemas.microsoft.com/office/drawing/2010/main" xmlns="" w="9525">
+              <a14:hiddenLine xmlns="" xmlns:a14="http://schemas.microsoft.com/office/drawing/2010/main" w="9525">
                 <a:solidFill>
                   <a:srgbClr val="000000"/>
                 </a:solidFill>
@@ -7890,14 +7882,14 @@
           </a:ln>
           <a:extLst>
             <a:ext uri="{909E8E84-426E-40dd-AFC4-6F175D3DCCD1}">
-              <a14:hiddenFill xmlns:a14="http://schemas.microsoft.com/office/drawing/2010/main" xmlns="">
+              <a14:hiddenFill xmlns="" xmlns:a14="http://schemas.microsoft.com/office/drawing/2010/main">
                 <a:solidFill>
                   <a:srgbClr val="FFFFFF"/>
                 </a:solidFill>
               </a14:hiddenFill>
             </a:ext>
             <a:ext uri="{91240B29-F687-4f45-9708-019B960494DF}">
-              <a14:hiddenLine xmlns:a14="http://schemas.microsoft.com/office/drawing/2010/main" xmlns="" w="9525">
+              <a14:hiddenLine xmlns="" xmlns:a14="http://schemas.microsoft.com/office/drawing/2010/main" w="9525">
                 <a:solidFill>
                   <a:srgbClr val="000000"/>
                 </a:solidFill>
@@ -9324,14 +9316,14 @@
           </a:ln>
           <a:extLst>
             <a:ext uri="{909E8E84-426E-40dd-AFC4-6F175D3DCCD1}">
-              <a14:hiddenFill xmlns:a14="http://schemas.microsoft.com/office/drawing/2010/main" xmlns="">
+              <a14:hiddenFill xmlns="" xmlns:a14="http://schemas.microsoft.com/office/drawing/2010/main">
                 <a:solidFill>
                   <a:srgbClr val="FFFFFF"/>
                 </a:solidFill>
               </a14:hiddenFill>
             </a:ext>
             <a:ext uri="{91240B29-F687-4f45-9708-019B960494DF}">
-              <a14:hiddenLine xmlns:a14="http://schemas.microsoft.com/office/drawing/2010/main" xmlns="" w="9525">
+              <a14:hiddenLine xmlns="" xmlns:a14="http://schemas.microsoft.com/office/drawing/2010/main" w="9525">
                 <a:solidFill>
                   <a:srgbClr val="000000"/>
                 </a:solidFill>
@@ -10665,14 +10657,14 @@
           </a:ln>
           <a:extLst>
             <a:ext uri="{909E8E84-426E-40dd-AFC4-6F175D3DCCD1}">
-              <a14:hiddenFill xmlns:a14="http://schemas.microsoft.com/office/drawing/2010/main" xmlns="">
+              <a14:hiddenFill xmlns="" xmlns:a14="http://schemas.microsoft.com/office/drawing/2010/main">
                 <a:solidFill>
                   <a:srgbClr val="FFFFFF"/>
                 </a:solidFill>
               </a14:hiddenFill>
             </a:ext>
             <a:ext uri="{91240B29-F687-4f45-9708-019B960494DF}">
-              <a14:hiddenLine xmlns:a14="http://schemas.microsoft.com/office/drawing/2010/main" xmlns="" w="9525">
+              <a14:hiddenLine xmlns="" xmlns:a14="http://schemas.microsoft.com/office/drawing/2010/main" w="9525">
                 <a:solidFill>
                   <a:srgbClr val="000000"/>
                 </a:solidFill>
@@ -11230,14 +11222,14 @@
           </a:ln>
           <a:extLst>
             <a:ext uri="{909E8E84-426E-40dd-AFC4-6F175D3DCCD1}">
-              <a14:hiddenFill xmlns:a14="http://schemas.microsoft.com/office/drawing/2010/main" xmlns="">
+              <a14:hiddenFill xmlns="" xmlns:a14="http://schemas.microsoft.com/office/drawing/2010/main">
                 <a:solidFill>
                   <a:srgbClr val="FFFFFF"/>
                 </a:solidFill>
               </a14:hiddenFill>
             </a:ext>
             <a:ext uri="{91240B29-F687-4f45-9708-019B960494DF}">
-              <a14:hiddenLine xmlns:a14="http://schemas.microsoft.com/office/drawing/2010/main" xmlns="" w="9525">
+              <a14:hiddenLine xmlns="" xmlns:a14="http://schemas.microsoft.com/office/drawing/2010/main" w="9525">
                 <a:solidFill>
                   <a:srgbClr val="000000"/>
                 </a:solidFill>
@@ -11804,14 +11796,14 @@
           </a:ln>
           <a:extLst>
             <a:ext uri="{909E8E84-426E-40dd-AFC4-6F175D3DCCD1}">
-              <a14:hiddenFill xmlns:a14="http://schemas.microsoft.com/office/drawing/2010/main" xmlns="">
+              <a14:hiddenFill xmlns="" xmlns:a14="http://schemas.microsoft.com/office/drawing/2010/main">
                 <a:solidFill>
                   <a:srgbClr val="FFFFFF"/>
                 </a:solidFill>
               </a14:hiddenFill>
             </a:ext>
             <a:ext uri="{91240B29-F687-4f45-9708-019B960494DF}">
-              <a14:hiddenLine xmlns:a14="http://schemas.microsoft.com/office/drawing/2010/main" xmlns="" w="9525">
+              <a14:hiddenLine xmlns="" xmlns:a14="http://schemas.microsoft.com/office/drawing/2010/main" w="9525">
                 <a:solidFill>
                   <a:srgbClr val="000000"/>
                 </a:solidFill>
@@ -12751,14 +12743,14 @@
           </a:ln>
           <a:extLst>
             <a:ext uri="{909E8E84-426E-40dd-AFC4-6F175D3DCCD1}">
-              <a14:hiddenFill xmlns:a14="http://schemas.microsoft.com/office/drawing/2010/main" xmlns="">
+              <a14:hiddenFill xmlns="" xmlns:a14="http://schemas.microsoft.com/office/drawing/2010/main">
                 <a:solidFill>
                   <a:srgbClr val="FFFFFF"/>
                 </a:solidFill>
               </a14:hiddenFill>
             </a:ext>
             <a:ext uri="{91240B29-F687-4f45-9708-019B960494DF}">
-              <a14:hiddenLine xmlns:a14="http://schemas.microsoft.com/office/drawing/2010/main" xmlns="" w="9525">
+              <a14:hiddenLine xmlns="" xmlns:a14="http://schemas.microsoft.com/office/drawing/2010/main" w="9525">
                 <a:solidFill>
                   <a:srgbClr val="000000"/>
                 </a:solidFill>
@@ -12857,7 +12849,7 @@
                 <a:ea typeface="+mn-ea"/>
                 <a:cs typeface="+mn-cs"/>
               </a:rPr>
-              <a:t>2017</a:t>
+              <a:t>2018</a:t>
             </a:r>
             <a:r>
               <a:rPr lang="en-US" dirty="0">
@@ -13513,14 +13505,14 @@
           </a:ln>
           <a:extLst>
             <a:ext uri="{909E8E84-426E-40dd-AFC4-6F175D3DCCD1}">
-              <a14:hiddenFill xmlns:a14="http://schemas.microsoft.com/office/drawing/2010/main" xmlns="">
+              <a14:hiddenFill xmlns="" xmlns:a14="http://schemas.microsoft.com/office/drawing/2010/main">
                 <a:solidFill>
                   <a:srgbClr val="FFFFFF"/>
                 </a:solidFill>
               </a14:hiddenFill>
             </a:ext>
             <a:ext uri="{91240B29-F687-4f45-9708-019B960494DF}">
-              <a14:hiddenLine xmlns:a14="http://schemas.microsoft.com/office/drawing/2010/main" xmlns="" w="9525">
+              <a14:hiddenLine xmlns="" xmlns:a14="http://schemas.microsoft.com/office/drawing/2010/main" w="9525">
                 <a:solidFill>
                   <a:srgbClr val="000000"/>
                 </a:solidFill>
@@ -13619,7 +13611,7 @@
                 <a:ea typeface="+mn-ea"/>
                 <a:cs typeface="+mn-cs"/>
               </a:rPr>
-              <a:t>2017</a:t>
+              <a:t>2018</a:t>
             </a:r>
             <a:r>
               <a:rPr lang="en-US" dirty="0">
@@ -14427,12 +14419,8 @@
           </a:p>
           <a:p>
             <a:r>
-              <a:rPr lang="en-US"/>
-              <a:t>2 directories, 6 </a:t>
-            </a:r>
-            <a:r>
-              <a:rPr lang="en-US" dirty="0"/>
-              <a:t>files</a:t>
+              <a:rPr lang="en-US" dirty="0"/>
+              <a:t>2 directories, 5 files</a:t>
             </a:r>
           </a:p>
         </p:txBody>
@@ -14646,7 +14634,7 @@
             </a:r>
             <a:r>
               <a:rPr lang="en-US" dirty="0"/>
-              <a:t>',version: '16.04 ')</a:t>
+              <a:t>',version: '16.04')</a:t>
             </a:r>
           </a:p>
           <a:p>
@@ -14901,7 +14889,7 @@
             </a:r>
             <a:r>
               <a:rPr lang="en-US" dirty="0"/>
-              <a:t>',version: '16.04 ')</a:t>
+              <a:t>',version: '16.04')</a:t>
             </a:r>
           </a:p>
           <a:p>
@@ -15792,7 +15780,7 @@
             </a:r>
             <a:r>
               <a:rPr lang="en-US" dirty="0"/>
-              <a:t>',version: '16.04 ')</a:t>
+              <a:t>',version: '16.04')</a:t>
             </a:r>
           </a:p>
           <a:p>
@@ -16592,7 +16580,7 @@
             </a:r>
             <a:r>
               <a:rPr lang="en-US" dirty="0"/>
-              <a:t>',version: '16.04 ')</a:t>
+              <a:t>',version: '16.04')</a:t>
             </a:r>
           </a:p>
           <a:p>
@@ -17721,7 +17709,7 @@
           <a:p>
             <a:r>
               <a:rPr lang="en-US" dirty="0"/>
-              <a:t>Finished in 0.44592 seconds (files took 4.35 seconds to load)</a:t>
+              <a:t>Finished in 0.8208 seconds (files took 2.5 seconds to load)</a:t>
             </a:r>
           </a:p>
           <a:p>
@@ -18333,15 +18321,7 @@
           <a:p>
             <a:r>
               <a:rPr lang="en-US" dirty="0"/>
-              <a:t># Copyright (c) </a:t>
-            </a:r>
-            <a:r>
-              <a:rPr lang="is-IS" dirty="0"/>
-              <a:t>2017</a:t>
-            </a:r>
-            <a:r>
-              <a:rPr lang="en-US" dirty="0"/>
-              <a:t> The Authors, All Rights Reserved.</a:t>
+              <a:t># Copyright:: 2018, The Authors, All Rights Reserved.</a:t>
             </a:r>
           </a:p>
           <a:p>
@@ -18580,7 +18560,7 @@
           <a:p>
             <a:r>
               <a:rPr lang="en-US" dirty="0"/>
-              <a:t>  context 'When all attributes are default, on an CentOS 6.9' do</a:t>
+              <a:t>  context 'When all attributes are default, on CentOS 6.9' do</a:t>
             </a:r>
           </a:p>
           <a:p>
@@ -19109,7 +19089,15 @@
           <a:p>
             <a:r>
               <a:rPr lang="en-US" dirty="0"/>
-              <a:t>.*</a:t>
+              <a:t>.</a:t>
+            </a:r>
+            <a:r>
+              <a:rPr lang="en-US" dirty="0">
+                <a:solidFill>
+                  <a:srgbClr val="B58900"/>
+                </a:solidFill>
+              </a:rPr>
+              <a:t>*</a:t>
             </a:r>
           </a:p>
           <a:p>
@@ -19127,19 +19115,39 @@
           <a:p>
             <a:r>
               <a:rPr lang="en-US" dirty="0"/>
-              <a:t>  1) apache::default When all attributes are default, on an CentOS 6.9 includes the install recipe</a:t>
-            </a:r>
-          </a:p>
-          <a:p>
-            <a:r>
-              <a:rPr lang="en-US" dirty="0"/>
-              <a:t>     # Not yet implemented</a:t>
-            </a:r>
-          </a:p>
-          <a:p>
-            <a:r>
-              <a:rPr lang="en-US" dirty="0"/>
-              <a:t>     # ./spec/unit/recipes/default_spec.rb:20</a:t>
+              <a:t>  </a:t>
+            </a:r>
+            <a:r>
+              <a:rPr lang="en-US" dirty="0">
+                <a:solidFill>
+                  <a:srgbClr val="B58900"/>
+                </a:solidFill>
+              </a:rPr>
+              <a:t>1) apache::default When all attributes are default, on CentOS 6.9 includes the install recipe</a:t>
+            </a:r>
+          </a:p>
+          <a:p>
+            <a:r>
+              <a:rPr lang="en-US" dirty="0"/>
+              <a:t>     </a:t>
+            </a:r>
+            <a:r>
+              <a:rPr lang="en-US" dirty="0">
+                <a:solidFill>
+                  <a:srgbClr val="2AA299"/>
+                </a:solidFill>
+              </a:rPr>
+              <a:t># Not yet implemented</a:t>
+            </a:r>
+          </a:p>
+          <a:p>
+            <a:r>
+              <a:rPr lang="en-US" dirty="0">
+                <a:solidFill>
+                  <a:srgbClr val="2AA299"/>
+                </a:solidFill>
+              </a:rPr>
+              <a:t>     # ./spec/unit/recipes/default_spec.rb:22</a:t>
             </a:r>
           </a:p>
           <a:p>
@@ -19555,7 +19563,15 @@
           <a:p>
             <a:r>
               <a:rPr lang="en-US" dirty="0"/>
-              <a:t>.*</a:t>
+              <a:t>.</a:t>
+            </a:r>
+            <a:r>
+              <a:rPr lang="en-US" dirty="0">
+                <a:solidFill>
+                  <a:srgbClr val="B58900"/>
+                </a:solidFill>
+              </a:rPr>
+              <a:t>*</a:t>
             </a:r>
           </a:p>
           <a:p>
@@ -19573,19 +19589,35 @@
           <a:p>
             <a:r>
               <a:rPr lang="en-US" dirty="0"/>
-              <a:t>  1) apache::default When all attributes are default, on an CentOS 6.9 includes the install recipe</a:t>
-            </a:r>
-          </a:p>
-          <a:p>
-            <a:r>
-              <a:rPr lang="en-US" dirty="0"/>
+              <a:t>  </a:t>
+            </a:r>
+            <a:r>
+              <a:rPr lang="en-US" dirty="0">
+                <a:solidFill>
+                  <a:srgbClr val="B58900"/>
+                </a:solidFill>
+              </a:rPr>
+              <a:t>1) apache::default When all attributes are default, on CentOS 6.9 includes the install recipe</a:t>
+            </a:r>
+          </a:p>
+          <a:p>
+            <a:r>
+              <a:rPr lang="en-US" dirty="0">
+                <a:solidFill>
+                  <a:srgbClr val="2AA299"/>
+                </a:solidFill>
+              </a:rPr>
               <a:t>     # Not yet implemented</a:t>
             </a:r>
           </a:p>
           <a:p>
             <a:r>
-              <a:rPr lang="en-US" dirty="0"/>
-              <a:t>     # ./spec/unit/recipes/default_spec.rb:20</a:t>
+              <a:rPr lang="en-US" dirty="0">
+                <a:solidFill>
+                  <a:srgbClr val="2AA299"/>
+                </a:solidFill>
+              </a:rPr>
+              <a:t>     # ./spec/unit/recipes/default_spec.rb:22</a:t>
             </a:r>
           </a:p>
           <a:p>
@@ -20254,14 +20286,18 @@
           </a:p>
           <a:p>
             <a:r>
-              <a:rPr lang="en-US" dirty="0"/>
-              <a:t>Finished in 0.46457 seconds (files took 4.39 seconds to load)</a:t>
-            </a:r>
-          </a:p>
-          <a:p>
-            <a:r>
-              <a:rPr lang="en-US" dirty="0"/>
-              <a:t>2 examples, 0 failures, 1 pending</a:t>
+              <a:rPr lang="en-US"/>
+              <a:t>Finished in 0.97525 seconds (files took 1.81 seconds to load)</a:t>
+            </a:r>
+          </a:p>
+          <a:p>
+            <a:r>
+              <a:rPr lang="en-US"/>
+              <a:t>2 </a:t>
+            </a:r>
+            <a:r>
+              <a:rPr lang="en-US" dirty="0"/>
+              <a:t>examples, 0 failures, 1 pending</a:t>
             </a:r>
           </a:p>
         </p:txBody>
@@ -20938,18 +20974,39 @@
             </a:r>
           </a:p>
           <a:p>
-            <a:endParaRPr lang="en-US" dirty="0"/>
-          </a:p>
-          <a:p>
-            <a:r>
-              <a:rPr lang="en-US" dirty="0"/>
-              <a:t>  1) apache::default When all attributes are default, on an CentOS 6.9 includes the install recipe</a:t>
-            </a:r>
-          </a:p>
-          <a:p>
-            <a:r>
-              <a:rPr lang="en-US" dirty="0"/>
-              <a:t>     Failure/Error: expect(</a:t>
+            <a:r>
+              <a:rPr lang="en-US" dirty="0"/>
+              <a:t>  1) apache::default When all attributes are default, on CentOS 6.9 includes the install recipe</a:t>
+            </a:r>
+          </a:p>
+          <a:p>
+            <a:r>
+              <a:rPr lang="en-US" dirty="0"/>
+              <a:t>     </a:t>
+            </a:r>
+            <a:r>
+              <a:rPr lang="en-US" dirty="0">
+                <a:solidFill>
+                  <a:srgbClr val="DD312E"/>
+                </a:solidFill>
+              </a:rPr>
+              <a:t>Failure/Error:</a:t>
+            </a:r>
+            <a:r>
+              <a:rPr lang="en-US" dirty="0"/>
+              <a:t> </a:t>
+            </a:r>
+            <a:r>
+              <a:rPr lang="en-US" dirty="0">
+                <a:solidFill>
+                  <a:srgbClr val="B58900"/>
+                </a:solidFill>
+              </a:rPr>
+              <a:t>expect</a:t>
+            </a:r>
+            <a:r>
+              <a:rPr lang="en-US" dirty="0"/>
+              <a:t>(</a:t>
             </a:r>
             <a:r>
               <a:rPr lang="en-US" dirty="0" err="1"/>
@@ -20965,18 +21022,38 @@
             </a:r>
             <a:r>
               <a:rPr lang="en-US" dirty="0"/>
-              <a:t>('apache::install')</a:t>
-            </a:r>
-          </a:p>
-          <a:p>
-            <a:r>
-              <a:rPr lang="en-US" dirty="0"/>
-              <a:t>       expected ["apache::default"] to include "apache::install"</a:t>
-            </a:r>
-          </a:p>
-          <a:p>
-            <a:r>
-              <a:rPr lang="en-US" dirty="0"/>
+              <a:t>(</a:t>
+            </a:r>
+            <a:r>
+              <a:rPr lang="en-US" dirty="0">
+                <a:solidFill>
+                  <a:srgbClr val="DD312E"/>
+                </a:solidFill>
+              </a:rPr>
+              <a:t>'apache::install'</a:t>
+            </a:r>
+            <a:r>
+              <a:rPr lang="en-US" dirty="0"/>
+              <a:t>)</a:t>
+            </a:r>
+          </a:p>
+          <a:p>
+            <a:r>
+              <a:rPr lang="en-US" dirty="0">
+                <a:solidFill>
+                  <a:srgbClr val="DD312E"/>
+                </a:solidFill>
+              </a:rPr>
+              <a:t>       expected ["apache::default", "apache::configuration", "apache::service"] to include "apache::install"</a:t>
+            </a:r>
+          </a:p>
+          <a:p>
+            <a:r>
+              <a:rPr lang="en-US" dirty="0">
+                <a:solidFill>
+                  <a:srgbClr val="2AA299"/>
+                </a:solidFill>
+              </a:rPr>
               <a:t>     # ./spec/unit/recipes/default_spec.rb:21:in `block (3 levels) in &lt;top (required)&gt;'</a:t>
             </a:r>
           </a:p>
@@ -21580,15 +21657,7 @@
           <a:p>
             <a:r>
               <a:rPr lang="en-US" dirty="0"/>
-              <a:t># Copyright (c) </a:t>
-            </a:r>
-            <a:r>
-              <a:rPr lang="is-IS" dirty="0"/>
-              <a:t>2017</a:t>
-            </a:r>
-            <a:r>
-              <a:rPr lang="en-US" dirty="0"/>
-              <a:t> The Authors, All Rights Reserved.</a:t>
+              <a:t># Copyright:: 2018, The Authors, All Rights Reserved.</a:t>
             </a:r>
           </a:p>
           <a:p>
@@ -21739,12 +21808,16 @@
           <a:p>
             <a:r>
               <a:rPr lang="en-US" dirty="0"/>
-              <a:t>Finished in 0.67714 seconds (files took 4.26 seconds to load)</a:t>
-            </a:r>
-          </a:p>
-          <a:p>
-            <a:r>
-              <a:rPr lang="en-US" dirty="0"/>
+              <a:t>Finished in 0.97525 seconds (files took 1.81 seconds to load)</a:t>
+            </a:r>
+          </a:p>
+          <a:p>
+            <a:r>
+              <a:rPr lang="en-US" dirty="0">
+                <a:solidFill>
+                  <a:srgbClr val="859900"/>
+                </a:solidFill>
+              </a:rPr>
               <a:t>2 examples, 0 failures</a:t>
             </a:r>
           </a:p>
@@ -22362,15 +22435,7 @@
           <a:p>
             <a:r>
               <a:rPr lang="en-US" dirty="0"/>
-              <a:t># Copyright (c) </a:t>
-            </a:r>
-            <a:r>
-              <a:rPr lang="is-IS" dirty="0"/>
-              <a:t>2017</a:t>
-            </a:r>
-            <a:r>
-              <a:rPr lang="en-US" dirty="0"/>
-              <a:t> The Authors, All Rights Reserved.</a:t>
+              <a:t># Copyright:: 2018, The Authors, All Rights Reserved.</a:t>
             </a:r>
           </a:p>
           <a:p>
@@ -22747,18 +22812,39 @@
             </a:r>
           </a:p>
           <a:p>
-            <a:endParaRPr lang="en-US" dirty="0"/>
-          </a:p>
-          <a:p>
-            <a:r>
-              <a:rPr lang="en-US" dirty="0"/>
-              <a:t>  1) apache::default When all attributes are default, on an Centos 6.9 includes the configuration recipe</a:t>
-            </a:r>
-          </a:p>
-          <a:p>
-            <a:r>
-              <a:rPr lang="en-US" dirty="0"/>
-              <a:t>     Failure/Error: expect(</a:t>
+            <a:r>
+              <a:rPr lang="en-US" dirty="0"/>
+              <a:t>  1) apache::default When all attributes are default, on CentOS 6.9 includes the configuration recipe</a:t>
+            </a:r>
+          </a:p>
+          <a:p>
+            <a:r>
+              <a:rPr lang="en-US" dirty="0"/>
+              <a:t>    </a:t>
+            </a:r>
+            <a:r>
+              <a:rPr lang="en-US" dirty="0">
+                <a:solidFill>
+                  <a:srgbClr val="DD312E"/>
+                </a:solidFill>
+              </a:rPr>
+              <a:t> Failure/Error:</a:t>
+            </a:r>
+            <a:r>
+              <a:rPr lang="en-US" dirty="0"/>
+              <a:t> </a:t>
+            </a:r>
+            <a:r>
+              <a:rPr lang="en-US" dirty="0">
+                <a:solidFill>
+                  <a:srgbClr val="859900"/>
+                </a:solidFill>
+              </a:rPr>
+              <a:t>expect</a:t>
+            </a:r>
+            <a:r>
+              <a:rPr lang="en-US" dirty="0"/>
+              <a:t>(</a:t>
             </a:r>
             <a:r>
               <a:rPr lang="en-US" dirty="0" err="1"/>
@@ -22774,18 +22860,42 @@
             </a:r>
             <a:r>
               <a:rPr lang="en-US" dirty="0"/>
-              <a:t>('apache::configuration')</a:t>
-            </a:r>
-          </a:p>
-          <a:p>
-            <a:r>
-              <a:rPr lang="en-US" dirty="0"/>
-              <a:t>       expected ["apache::default", "apache::install", "apache::service"] to include "apache::configuration"</a:t>
-            </a:r>
-          </a:p>
-          <a:p>
-            <a:r>
-              <a:rPr lang="en-US" dirty="0"/>
+              <a:t>(</a:t>
+            </a:r>
+            <a:r>
+              <a:rPr lang="en-US" dirty="0">
+                <a:solidFill>
+                  <a:srgbClr val="DD312E"/>
+                </a:solidFill>
+              </a:rPr>
+              <a:t>'apache::configuration'</a:t>
+            </a:r>
+            <a:r>
+              <a:rPr lang="en-US" dirty="0"/>
+              <a:t>)</a:t>
+            </a:r>
+          </a:p>
+          <a:p>
+            <a:r>
+              <a:rPr lang="en-US" dirty="0"/>
+              <a:t>       </a:t>
+            </a:r>
+            <a:r>
+              <a:rPr lang="en-US" dirty="0">
+                <a:solidFill>
+                  <a:srgbClr val="DD312E"/>
+                </a:solidFill>
+              </a:rPr>
+              <a:t>expected ["apache::default", "apache::configuration", "apache::install", "apache::service"] to include "apache::configuration"</a:t>
+            </a:r>
+          </a:p>
+          <a:p>
+            <a:r>
+              <a:rPr lang="en-US" dirty="0">
+                <a:solidFill>
+                  <a:srgbClr val="2AA299"/>
+                </a:solidFill>
+              </a:rPr>
               <a:t>     # ./spec/unit/recipes/default_spec.rb:27:in `block (3 levels) in </a:t>
             </a:r>
           </a:p>
@@ -22968,15 +23078,7 @@
           <a:p>
             <a:r>
               <a:rPr lang="en-US" dirty="0"/>
-              <a:t># Copyright (c) </a:t>
-            </a:r>
-            <a:r>
-              <a:rPr lang="is-IS" dirty="0"/>
-              <a:t>2017</a:t>
-            </a:r>
-            <a:r>
-              <a:rPr lang="en-US" dirty="0"/>
-              <a:t> The Authors, All Rights Reserved.</a:t>
+              <a:t># Copyright:: 2018, The Authors, All Rights Reserved.</a:t>
             </a:r>
           </a:p>
           <a:p>
@@ -23121,12 +23223,16 @@
           <a:p>
             <a:r>
               <a:rPr lang="en-US" dirty="0"/>
-              <a:t>Finished in 0.97252 seconds (files took 4.33 seconds to load)</a:t>
-            </a:r>
-          </a:p>
-          <a:p>
-            <a:r>
-              <a:rPr lang="en-US" dirty="0"/>
+              <a:t>Finished in 0.97525 seconds (files took 1.81 seconds to load)</a:t>
+            </a:r>
+          </a:p>
+          <a:p>
+            <a:r>
+              <a:rPr lang="en-US" dirty="0">
+                <a:solidFill>
+                  <a:srgbClr val="859900"/>
+                </a:solidFill>
+              </a:rPr>
               <a:t>3 examples, 0 failures</a:t>
             </a:r>
           </a:p>
@@ -23313,15 +23419,7 @@
           <a:p>
             <a:r>
               <a:rPr lang="en-US" dirty="0"/>
-              <a:t># Copyright (c) </a:t>
-            </a:r>
-            <a:r>
-              <a:rPr lang="is-IS" dirty="0"/>
-              <a:t>2017</a:t>
-            </a:r>
-            <a:r>
-              <a:rPr lang="en-US" dirty="0"/>
-              <a:t> The Authors, All Rights Reserved.</a:t>
+              <a:t># Copyright:: 2018, The Authors, All Rights Reserved.</a:t>
             </a:r>
           </a:p>
           <a:p>
@@ -23730,13 +23828,37 @@
           <a:p>
             <a:r>
               <a:rPr lang="en-US" dirty="0"/>
-              <a:t>  1) apache::default When all attributes are default, on an Centos 6.9 includes the service recipe</a:t>
-            </a:r>
-          </a:p>
-          <a:p>
-            <a:r>
-              <a:rPr lang="en-US" dirty="0"/>
-              <a:t>     Failure/Error: expect(</a:t>
+              <a:t>  1) apache::default When all attributes are default, on CentOS 6.9 includes the service recipe</a:t>
+            </a:r>
+          </a:p>
+          <a:p>
+            <a:r>
+              <a:rPr lang="en-US" dirty="0"/>
+              <a:t>     </a:t>
+            </a:r>
+            <a:r>
+              <a:rPr lang="en-US" dirty="0">
+                <a:solidFill>
+                  <a:srgbClr val="DD312E"/>
+                </a:solidFill>
+              </a:rPr>
+              <a:t>Failure/Error:</a:t>
+            </a:r>
+            <a:r>
+              <a:rPr lang="en-US" dirty="0"/>
+              <a:t> </a:t>
+            </a:r>
+            <a:r>
+              <a:rPr lang="en-US" dirty="0">
+                <a:solidFill>
+                  <a:srgbClr val="859900"/>
+                </a:solidFill>
+              </a:rPr>
+              <a:t>expect</a:t>
+            </a:r>
+            <a:r>
+              <a:rPr lang="en-US" dirty="0"/>
+              <a:t>(</a:t>
             </a:r>
             <a:r>
               <a:rPr lang="en-US" dirty="0" err="1"/>
@@ -23752,18 +23874,42 @@
             </a:r>
             <a:r>
               <a:rPr lang="en-US" dirty="0"/>
-              <a:t>('apache::service')</a:t>
-            </a:r>
-          </a:p>
-          <a:p>
-            <a:r>
-              <a:rPr lang="en-US" dirty="0"/>
-              <a:t>       expected ["apache::default", "apache::install", "apache::configuration"] to include "apache::service"</a:t>
-            </a:r>
-          </a:p>
-          <a:p>
-            <a:r>
-              <a:rPr lang="en-US" dirty="0"/>
+              <a:t>(</a:t>
+            </a:r>
+            <a:r>
+              <a:rPr lang="en-US" dirty="0">
+                <a:solidFill>
+                  <a:srgbClr val="DD312E"/>
+                </a:solidFill>
+              </a:rPr>
+              <a:t>'apache::service'</a:t>
+            </a:r>
+            <a:r>
+              <a:rPr lang="en-US" dirty="0"/>
+              <a:t>)</a:t>
+            </a:r>
+          </a:p>
+          <a:p>
+            <a:r>
+              <a:rPr lang="en-US" dirty="0"/>
+              <a:t>       </a:t>
+            </a:r>
+            <a:r>
+              <a:rPr lang="en-US" dirty="0">
+                <a:solidFill>
+                  <a:srgbClr val="DD312E"/>
+                </a:solidFill>
+              </a:rPr>
+              <a:t>expected ["apache::default", "apache::install", "apache::configuration"] to include "apache::service"</a:t>
+            </a:r>
+          </a:p>
+          <a:p>
+            <a:r>
+              <a:rPr lang="en-US" dirty="0">
+                <a:solidFill>
+                  <a:srgbClr val="2AA299"/>
+                </a:solidFill>
+              </a:rPr>
               <a:t>     # ./spec/unit/recipes/default_spec.rb:31:in `block (3 levels) </a:t>
             </a:r>
           </a:p>
@@ -24727,15 +24873,7 @@
           <a:p>
             <a:r>
               <a:rPr lang="en-US" dirty="0"/>
-              <a:t># Copyright (c) </a:t>
-            </a:r>
-            <a:r>
-              <a:rPr lang="is-IS" dirty="0"/>
-              <a:t>2017</a:t>
-            </a:r>
-            <a:r>
-              <a:rPr lang="en-US" dirty="0"/>
-              <a:t> The Authors, All Rights Reserved.</a:t>
+              <a:t># Copyright:: 2018, The Authors, All Rights Reserved.</a:t>
             </a:r>
           </a:p>
           <a:p>
@@ -24880,12 +25018,16 @@
           <a:p>
             <a:r>
               <a:rPr lang="en-US" dirty="0"/>
-              <a:t>Finished in 1.38 seconds (files took 4.16 seconds to load)</a:t>
-            </a:r>
-          </a:p>
-          <a:p>
-            <a:r>
-              <a:rPr lang="en-US" dirty="0"/>
+              <a:t>Finished in 0.97525 seconds (files took 1.81 seconds to load)</a:t>
+            </a:r>
+          </a:p>
+          <a:p>
+            <a:r>
+              <a:rPr lang="en-US" dirty="0">
+                <a:solidFill>
+                  <a:srgbClr val="859900"/>
+                </a:solidFill>
+              </a:rPr>
               <a:t>4 examples, 0 failures</a:t>
             </a:r>
           </a:p>
@@ -31382,6 +31524,64 @@
 </file>
 
 <file path=customXml/item1.xml><?xml version="1.0" encoding="utf-8"?>
+<?mso-contentType ?>
+<spe:Receivers xmlns:spe="http://schemas.microsoft.com/sharepoint/events">
+  <Receiver>
+    <Name>Document ID Generator</Name>
+    <Synchronization>Synchronous</Synchronization>
+    <Type>10001</Type>
+    <SequenceNumber>1000</SequenceNumber>
+    <Assembly>Microsoft.Office.DocumentManagement, Version=14.0.0.0, Culture=neutral, PublicKeyToken=71e9bce111e9429c</Assembly>
+    <Class>Microsoft.Office.DocumentManagement.Internal.DocIdHandler</Class>
+    <Data/>
+    <Filter/>
+  </Receiver>
+  <Receiver>
+    <Name>Document ID Generator</Name>
+    <Synchronization>Synchronous</Synchronization>
+    <Type>10002</Type>
+    <SequenceNumber>1001</SequenceNumber>
+    <Assembly>Microsoft.Office.DocumentManagement, Version=14.0.0.0, Culture=neutral, PublicKeyToken=71e9bce111e9429c</Assembly>
+    <Class>Microsoft.Office.DocumentManagement.Internal.DocIdHandler</Class>
+    <Data/>
+    <Filter/>
+  </Receiver>
+  <Receiver>
+    <Name>Document ID Generator</Name>
+    <Synchronization>Synchronous</Synchronization>
+    <Type>10004</Type>
+    <SequenceNumber>1002</SequenceNumber>
+    <Assembly>Microsoft.Office.DocumentManagement, Version=14.0.0.0, Culture=neutral, PublicKeyToken=71e9bce111e9429c</Assembly>
+    <Class>Microsoft.Office.DocumentManagement.Internal.DocIdHandler</Class>
+    <Data/>
+    <Filter/>
+  </Receiver>
+  <Receiver>
+    <Name>Document ID Generator</Name>
+    <Synchronization>Synchronous</Synchronization>
+    <Type>10006</Type>
+    <SequenceNumber>1003</SequenceNumber>
+    <Assembly>Microsoft.Office.DocumentManagement, Version=14.0.0.0, Culture=neutral, PublicKeyToken=71e9bce111e9429c</Assembly>
+    <Class>Microsoft.Office.DocumentManagement.Internal.DocIdHandler</Class>
+    <Data/>
+    <Filter/>
+  </Receiver>
+</spe:Receivers>
+</file>
+
+<file path=customXml/item2.xml><?xml version="1.0" encoding="utf-8"?>
+<p:properties xmlns:p="http://schemas.microsoft.com/office/2006/metadata/properties" xmlns:xsi="http://www.w3.org/2001/XMLSchema-instance" xmlns:pc="http://schemas.microsoft.com/office/infopath/2007/PartnerControls">
+  <documentManagement>
+    <_dlc_DocId xmlns="7bb5d761-a2ea-4873-95f7-7a6658fb3ef0">M4CWTKMW727E-592-73</_dlc_DocId>
+    <_dlc_DocIdUrl xmlns="7bb5d761-a2ea-4873-95f7-7a6658fb3ef0">
+      <Url>https://kms.vci.local/marketing/team/_layouts/DocIdRedir.aspx?ID=M4CWTKMW727E-592-73</Url>
+      <Description>M4CWTKMW727E-592-73</Description>
+    </_dlc_DocIdUrl>
+  </documentManagement>
+</p:properties>
+</file>
+
+<file path=customXml/item3.xml><?xml version="1.0" encoding="utf-8"?>
 <ct:contentTypeSchema xmlns:ct="http://schemas.microsoft.com/office/2006/metadata/contentType" xmlns:ma="http://schemas.microsoft.com/office/2006/metadata/properties/metaAttributes" ct:_="" ma:_="" ma:contentTypeName="Document" ma:contentTypeID="0x0101000812F700BE7F874999720E88173FE491" ma:contentTypeVersion="0" ma:contentTypeDescription="Create a new document." ma:contentTypeScope="" ma:versionID="3f79f408e2ca720b7aba6e0e32464d0c">
   <xsd:schema xmlns:xsd="http://www.w3.org/2001/XMLSchema" xmlns:xs="http://www.w3.org/2001/XMLSchema" xmlns:p="http://schemas.microsoft.com/office/2006/metadata/properties" xmlns:ns2="7bb5d761-a2ea-4873-95f7-7a6658fb3ef0" targetNamespace="http://schemas.microsoft.com/office/2006/metadata/properties" ma:root="true" ma:fieldsID="1e062cd38ba31e406bfc4340fbc7f87a" ns2:_="">
     <xsd:import namespace="7bb5d761-a2ea-4873-95f7-7a6658fb3ef0"/>
@@ -31526,19 +31726,7 @@
 </ct:contentTypeSchema>
 </file>
 
-<file path=customXml/item2.xml><?xml version="1.0" encoding="utf-8"?>
-<p:properties xmlns:p="http://schemas.microsoft.com/office/2006/metadata/properties" xmlns:xsi="http://www.w3.org/2001/XMLSchema-instance" xmlns:pc="http://schemas.microsoft.com/office/infopath/2007/PartnerControls">
-  <documentManagement>
-    <_dlc_DocId xmlns="7bb5d761-a2ea-4873-95f7-7a6658fb3ef0">M4CWTKMW727E-592-73</_dlc_DocId>
-    <_dlc_DocIdUrl xmlns="7bb5d761-a2ea-4873-95f7-7a6658fb3ef0">
-      <Url>https://kms.vci.local/marketing/team/_layouts/DocIdRedir.aspx?ID=M4CWTKMW727E-592-73</Url>
-      <Description>M4CWTKMW727E-592-73</Description>
-    </_dlc_DocIdUrl>
-  </documentManagement>
-</p:properties>
-</file>
-
-<file path=customXml/item3.xml><?xml version="1.0" encoding="utf-8"?>
+<file path=customXml/item4.xml><?xml version="1.0" encoding="utf-8"?>
 <?mso-contentType ?>
 <FormTemplates xmlns="http://schemas.microsoft.com/sharepoint/v3/contenttype/forms">
   <Display>DocumentLibraryForm</Display>
@@ -31547,66 +31735,10 @@
 </FormTemplates>
 </file>
 
-<file path=customXml/item4.xml><?xml version="1.0" encoding="utf-8"?>
-<?mso-contentType ?>
-<spe:Receivers xmlns:spe="http://schemas.microsoft.com/sharepoint/events">
-  <Receiver>
-    <Name>Document ID Generator</Name>
-    <Synchronization>Synchronous</Synchronization>
-    <Type>10001</Type>
-    <SequenceNumber>1000</SequenceNumber>
-    <Assembly>Microsoft.Office.DocumentManagement, Version=14.0.0.0, Culture=neutral, PublicKeyToken=71e9bce111e9429c</Assembly>
-    <Class>Microsoft.Office.DocumentManagement.Internal.DocIdHandler</Class>
-    <Data/>
-    <Filter/>
-  </Receiver>
-  <Receiver>
-    <Name>Document ID Generator</Name>
-    <Synchronization>Synchronous</Synchronization>
-    <Type>10002</Type>
-    <SequenceNumber>1001</SequenceNumber>
-    <Assembly>Microsoft.Office.DocumentManagement, Version=14.0.0.0, Culture=neutral, PublicKeyToken=71e9bce111e9429c</Assembly>
-    <Class>Microsoft.Office.DocumentManagement.Internal.DocIdHandler</Class>
-    <Data/>
-    <Filter/>
-  </Receiver>
-  <Receiver>
-    <Name>Document ID Generator</Name>
-    <Synchronization>Synchronous</Synchronization>
-    <Type>10004</Type>
-    <SequenceNumber>1002</SequenceNumber>
-    <Assembly>Microsoft.Office.DocumentManagement, Version=14.0.0.0, Culture=neutral, PublicKeyToken=71e9bce111e9429c</Assembly>
-    <Class>Microsoft.Office.DocumentManagement.Internal.DocIdHandler</Class>
-    <Data/>
-    <Filter/>
-  </Receiver>
-  <Receiver>
-    <Name>Document ID Generator</Name>
-    <Synchronization>Synchronous</Synchronization>
-    <Type>10006</Type>
-    <SequenceNumber>1003</SequenceNumber>
-    <Assembly>Microsoft.Office.DocumentManagement, Version=14.0.0.0, Culture=neutral, PublicKeyToken=71e9bce111e9429c</Assembly>
-    <Class>Microsoft.Office.DocumentManagement.Internal.DocIdHandler</Class>
-    <Data/>
-    <Filter/>
-  </Receiver>
-</spe:Receivers>
-</file>
-
 <file path=customXml/itemProps1.xml><?xml version="1.0" encoding="utf-8"?>
-<ds:datastoreItem xmlns:ds="http://schemas.openxmlformats.org/officeDocument/2006/customXml" ds:itemID="{164479E5-0B02-49AC-B79E-EC1D6164DDD3}">
+<ds:datastoreItem xmlns:ds="http://schemas.openxmlformats.org/officeDocument/2006/customXml" ds:itemID="{B13EBC30-FE27-4C6A-B723-23FC2188F7DC}">
   <ds:schemaRefs>
-    <ds:schemaRef ds:uri="http://schemas.microsoft.com/office/2006/metadata/contentType"/>
-    <ds:schemaRef ds:uri="http://schemas.microsoft.com/office/2006/metadata/properties/metaAttributes"/>
-    <ds:schemaRef ds:uri="http://www.w3.org/2001/XMLSchema"/>
-    <ds:schemaRef ds:uri="http://schemas.microsoft.com/office/2006/metadata/properties"/>
-    <ds:schemaRef ds:uri="7bb5d761-a2ea-4873-95f7-7a6658fb3ef0"/>
-    <ds:schemaRef ds:uri="http://schemas.microsoft.com/office/2006/documentManagement/types"/>
-    <ds:schemaRef ds:uri="http://schemas.microsoft.com/office/infopath/2007/PartnerControls"/>
-    <ds:schemaRef ds:uri="http://schemas.openxmlformats.org/package/2006/metadata/core-properties"/>
-    <ds:schemaRef ds:uri="http://purl.org/dc/elements/1.1/"/>
-    <ds:schemaRef ds:uri="http://purl.org/dc/terms/"/>
-    <ds:schemaRef ds:uri="http://schemas.microsoft.com/internal/obd"/>
+    <ds:schemaRef ds:uri="http://schemas.microsoft.com/sharepoint/events"/>
   </ds:schemaRefs>
 </ds:datastoreItem>
 </file>
@@ -31628,17 +31760,27 @@
 </file>
 
 <file path=customXml/itemProps3.xml><?xml version="1.0" encoding="utf-8"?>
+<ds:datastoreItem xmlns:ds="http://schemas.openxmlformats.org/officeDocument/2006/customXml" ds:itemID="{164479E5-0B02-49AC-B79E-EC1D6164DDD3}">
+  <ds:schemaRefs>
+    <ds:schemaRef ds:uri="http://schemas.microsoft.com/office/2006/metadata/contentType"/>
+    <ds:schemaRef ds:uri="http://schemas.microsoft.com/office/2006/metadata/properties/metaAttributes"/>
+    <ds:schemaRef ds:uri="http://www.w3.org/2001/XMLSchema"/>
+    <ds:schemaRef ds:uri="http://schemas.microsoft.com/office/2006/metadata/properties"/>
+    <ds:schemaRef ds:uri="7bb5d761-a2ea-4873-95f7-7a6658fb3ef0"/>
+    <ds:schemaRef ds:uri="http://schemas.microsoft.com/office/2006/documentManagement/types"/>
+    <ds:schemaRef ds:uri="http://schemas.microsoft.com/office/infopath/2007/PartnerControls"/>
+    <ds:schemaRef ds:uri="http://schemas.openxmlformats.org/package/2006/metadata/core-properties"/>
+    <ds:schemaRef ds:uri="http://purl.org/dc/elements/1.1/"/>
+    <ds:schemaRef ds:uri="http://purl.org/dc/terms/"/>
+    <ds:schemaRef ds:uri="http://schemas.microsoft.com/internal/obd"/>
+  </ds:schemaRefs>
+</ds:datastoreItem>
+</file>
+
+<file path=customXml/itemProps4.xml><?xml version="1.0" encoding="utf-8"?>
 <ds:datastoreItem xmlns:ds="http://schemas.openxmlformats.org/officeDocument/2006/customXml" ds:itemID="{5CDEB364-43EC-4510-9881-539C2A3FCE9E}">
   <ds:schemaRefs>
     <ds:schemaRef ds:uri="http://schemas.microsoft.com/sharepoint/v3/contenttype/forms"/>
   </ds:schemaRefs>
 </ds:datastoreItem>
-</file>
-
-<file path=customXml/itemProps4.xml><?xml version="1.0" encoding="utf-8"?>
-<ds:datastoreItem xmlns:ds="http://schemas.openxmlformats.org/officeDocument/2006/customXml" ds:itemID="{B13EBC30-FE27-4C6A-B723-23FC2188F7DC}">
-  <ds:schemaRefs>
-    <ds:schemaRef ds:uri="http://schemas.microsoft.com/sharepoint/events"/>
-  </ds:schemaRefs>
-</ds:datastoreItem>
 </file>